--- a/ideas/team_aroma/presentation.pptx
+++ b/ideas/team_aroma/presentation.pptx
@@ -3337,36 +3337,6 @@
           <a:chExt cx="0" cy="0"/>
         </a:xfrm>
       </p:grpSpPr>
-      <p:pic>
-        <p:nvPicPr>
-          <p:cNvPr id="21" name="Grafik 20" descr="Ein Bild, das Foto, Schnee, bedeckt, fliegend enthält.&#10;&#10;Automatisch generierte Beschreibung">
-            <a:extLst>
-              <a:ext uri="{FF2B5EF4-FFF2-40B4-BE49-F238E27FC236}">
-                <a16:creationId xmlns:a16="http://schemas.microsoft.com/office/drawing/2014/main" id="{128C88C2-C505-DE4D-883B-828C95B0FBFB}"/>
-              </a:ext>
-            </a:extLst>
-          </p:cNvPr>
-          <p:cNvPicPr>
-            <a:picLocks noChangeAspect="1"/>
-          </p:cNvPicPr>
-          <p:nvPr/>
-        </p:nvPicPr>
-        <p:blipFill>
-          <a:blip r:embed="rId2"/>
-          <a:stretch>
-            <a:fillRect/>
-          </a:stretch>
-        </p:blipFill>
-        <p:spPr>
-          <a:xfrm>
-            <a:off x="7187331" y="549079"/>
-            <a:ext cx="5243138" cy="6990850"/>
-          </a:xfrm>
-          <a:prstGeom prst="rect">
-            <a:avLst/>
-          </a:prstGeom>
-        </p:spPr>
-      </p:pic>
       <p:sp>
         <p:nvSpPr>
           <p:cNvPr id="2" name="Titel 1">
@@ -3584,7 +3554,7 @@
               <p:nvPr/>
             </p:nvPicPr>
             <p:blipFill>
-              <a:blip r:embed="rId3"/>
+              <a:blip r:embed="rId2"/>
               <a:stretch>
                 <a:fillRect/>
               </a:stretch>
@@ -3667,7 +3637,7 @@
             <p:nvPr/>
           </p:nvPicPr>
           <p:blipFill>
-            <a:blip r:embed="rId4"/>
+            <a:blip r:embed="rId3"/>
             <a:stretch>
               <a:fillRect/>
             </a:stretch>
@@ -3697,7 +3667,7 @@
             <p:nvPr/>
           </p:nvPicPr>
           <p:blipFill>
-            <a:blip r:embed="rId5"/>
+            <a:blip r:embed="rId4"/>
             <a:stretch>
               <a:fillRect/>
             </a:stretch>
@@ -3869,6 +3839,66 @@
           </a:p>
         </p:txBody>
       </p:sp>
+      <p:pic>
+        <p:nvPicPr>
+          <p:cNvPr id="18" name="Grafik 17" descr="Ein Bild, das draußen, Berg, Schnee, Skifahren enthält.&#10;&#10;Automatisch generierte Beschreibung">
+            <a:extLst>
+              <a:ext uri="{FF2B5EF4-FFF2-40B4-BE49-F238E27FC236}">
+                <a16:creationId xmlns:a16="http://schemas.microsoft.com/office/drawing/2014/main" id="{111C4B19-89AA-3A41-B697-0F5AA74702A5}"/>
+              </a:ext>
+            </a:extLst>
+          </p:cNvPr>
+          <p:cNvPicPr>
+            <a:picLocks noChangeAspect="1"/>
+          </p:cNvPicPr>
+          <p:nvPr/>
+        </p:nvPicPr>
+        <p:blipFill>
+          <a:blip r:embed="rId5"/>
+          <a:stretch>
+            <a:fillRect/>
+          </a:stretch>
+        </p:blipFill>
+        <p:spPr>
+          <a:xfrm>
+            <a:off x="7551451" y="1642110"/>
+            <a:ext cx="2108200" cy="3175000"/>
+          </a:xfrm>
+          <a:prstGeom prst="rect">
+            <a:avLst/>
+          </a:prstGeom>
+        </p:spPr>
+      </p:pic>
+      <p:pic>
+        <p:nvPicPr>
+          <p:cNvPr id="22" name="Grafik 21" descr="Ein Bild, das Objekt, Feuerwerk, Licht, dunkel enthält.&#10;&#10;Automatisch generierte Beschreibung">
+            <a:extLst>
+              <a:ext uri="{FF2B5EF4-FFF2-40B4-BE49-F238E27FC236}">
+                <a16:creationId xmlns:a16="http://schemas.microsoft.com/office/drawing/2014/main" id="{CEC3C38F-9818-8543-95A2-C36C42427103}"/>
+              </a:ext>
+            </a:extLst>
+          </p:cNvPr>
+          <p:cNvPicPr>
+            <a:picLocks noChangeAspect="1"/>
+          </p:cNvPicPr>
+          <p:nvPr/>
+        </p:nvPicPr>
+        <p:blipFill>
+          <a:blip r:embed="rId6"/>
+          <a:stretch>
+            <a:fillRect/>
+          </a:stretch>
+        </p:blipFill>
+        <p:spPr>
+          <a:xfrm>
+            <a:off x="9751461" y="1642110"/>
+            <a:ext cx="2095500" cy="3162300"/>
+          </a:xfrm>
+          <a:prstGeom prst="rect">
+            <a:avLst/>
+          </a:prstGeom>
+        </p:spPr>
+      </p:pic>
     </p:spTree>
     <p:extLst>
       <p:ext uri="{BB962C8B-B14F-4D97-AF65-F5344CB8AC3E}">
